--- a/spring-cloud-config-demo.pptx
+++ b/spring-cloud-config-demo.pptx
@@ -263,7 +263,7 @@
           <a:p>
             <a:fld id="{E6842770-A5B4-BA46-BD8F-4DC1C953792C}" type="datetimeFigureOut">
               <a:rPr lang="en-US" smtClean="0"/>
-              <a:t>4/15/20</a:t>
+              <a:t>4/29/20</a:t>
             </a:fld>
             <a:endParaRPr lang="en-US"/>
           </a:p>
@@ -461,7 +461,7 @@
           <a:p>
             <a:fld id="{E6842770-A5B4-BA46-BD8F-4DC1C953792C}" type="datetimeFigureOut">
               <a:rPr lang="en-US" smtClean="0"/>
-              <a:t>4/15/20</a:t>
+              <a:t>4/29/20</a:t>
             </a:fld>
             <a:endParaRPr lang="en-US"/>
           </a:p>
@@ -669,7 +669,7 @@
           <a:p>
             <a:fld id="{E6842770-A5B4-BA46-BD8F-4DC1C953792C}" type="datetimeFigureOut">
               <a:rPr lang="en-US" smtClean="0"/>
-              <a:t>4/15/20</a:t>
+              <a:t>4/29/20</a:t>
             </a:fld>
             <a:endParaRPr lang="en-US"/>
           </a:p>
@@ -867,7 +867,7 @@
           <a:p>
             <a:fld id="{E6842770-A5B4-BA46-BD8F-4DC1C953792C}" type="datetimeFigureOut">
               <a:rPr lang="en-US" smtClean="0"/>
-              <a:t>4/15/20</a:t>
+              <a:t>4/29/20</a:t>
             </a:fld>
             <a:endParaRPr lang="en-US"/>
           </a:p>
@@ -1142,7 +1142,7 @@
           <a:p>
             <a:fld id="{E6842770-A5B4-BA46-BD8F-4DC1C953792C}" type="datetimeFigureOut">
               <a:rPr lang="en-US" smtClean="0"/>
-              <a:t>4/15/20</a:t>
+              <a:t>4/29/20</a:t>
             </a:fld>
             <a:endParaRPr lang="en-US"/>
           </a:p>
@@ -1407,7 +1407,7 @@
           <a:p>
             <a:fld id="{E6842770-A5B4-BA46-BD8F-4DC1C953792C}" type="datetimeFigureOut">
               <a:rPr lang="en-US" smtClean="0"/>
-              <a:t>4/15/20</a:t>
+              <a:t>4/29/20</a:t>
             </a:fld>
             <a:endParaRPr lang="en-US"/>
           </a:p>
@@ -1819,7 +1819,7 @@
           <a:p>
             <a:fld id="{E6842770-A5B4-BA46-BD8F-4DC1C953792C}" type="datetimeFigureOut">
               <a:rPr lang="en-US" smtClean="0"/>
-              <a:t>4/15/20</a:t>
+              <a:t>4/29/20</a:t>
             </a:fld>
             <a:endParaRPr lang="en-US"/>
           </a:p>
@@ -1960,7 +1960,7 @@
           <a:p>
             <a:fld id="{E6842770-A5B4-BA46-BD8F-4DC1C953792C}" type="datetimeFigureOut">
               <a:rPr lang="en-US" smtClean="0"/>
-              <a:t>4/15/20</a:t>
+              <a:t>4/29/20</a:t>
             </a:fld>
             <a:endParaRPr lang="en-US"/>
           </a:p>
@@ -2073,7 +2073,7 @@
           <a:p>
             <a:fld id="{E6842770-A5B4-BA46-BD8F-4DC1C953792C}" type="datetimeFigureOut">
               <a:rPr lang="en-US" smtClean="0"/>
-              <a:t>4/15/20</a:t>
+              <a:t>4/29/20</a:t>
             </a:fld>
             <a:endParaRPr lang="en-US"/>
           </a:p>
@@ -2384,7 +2384,7 @@
           <a:p>
             <a:fld id="{E6842770-A5B4-BA46-BD8F-4DC1C953792C}" type="datetimeFigureOut">
               <a:rPr lang="en-US" smtClean="0"/>
-              <a:t>4/15/20</a:t>
+              <a:t>4/29/20</a:t>
             </a:fld>
             <a:endParaRPr lang="en-US"/>
           </a:p>
@@ -2672,7 +2672,7 @@
           <a:p>
             <a:fld id="{E6842770-A5B4-BA46-BD8F-4DC1C953792C}" type="datetimeFigureOut">
               <a:rPr lang="en-US" smtClean="0"/>
-              <a:t>4/15/20</a:t>
+              <a:t>4/29/20</a:t>
             </a:fld>
             <a:endParaRPr lang="en-US"/>
           </a:p>
@@ -2913,7 +2913,7 @@
           <a:p>
             <a:fld id="{E6842770-A5B4-BA46-BD8F-4DC1C953792C}" type="datetimeFigureOut">
               <a:rPr lang="en-US" smtClean="0"/>
-              <a:t>4/15/20</a:t>
+              <a:t>4/29/20</a:t>
             </a:fld>
             <a:endParaRPr lang="en-US"/>
           </a:p>
@@ -3454,19 +3454,17 @@
       </p:sp>
       <p:pic>
         <p:nvPicPr>
-          <p:cNvPr id="9" name="Content Placeholder 8" descr="A close up of a logo&#10;&#10;Description automatically generated">
-            <a:extLst>
-              <a:ext uri="{FF2B5EF4-FFF2-40B4-BE49-F238E27FC236}">
-                <a16:creationId xmlns:a16="http://schemas.microsoft.com/office/drawing/2014/main" id="{D6E1055F-292F-064C-BB15-142D2AE79013}"/>
+          <p:cNvPr id="6" name="Picture 5" descr="A close up of a logo&#10;&#10;Description automatically generated">
+            <a:extLst>
+              <a:ext uri="{FF2B5EF4-FFF2-40B4-BE49-F238E27FC236}">
+                <a16:creationId xmlns:a16="http://schemas.microsoft.com/office/drawing/2014/main" id="{2B678EED-B6B1-FF4C-976B-136C5807F04E}"/>
               </a:ext>
             </a:extLst>
           </p:cNvPr>
           <p:cNvPicPr>
-            <a:picLocks noGrp="1" noChangeAspect="1"/>
+            <a:picLocks noChangeAspect="1"/>
           </p:cNvPicPr>
-          <p:nvPr>
-            <p:ph idx="1"/>
-          </p:nvPr>
+          <p:nvPr/>
         </p:nvPicPr>
         <p:blipFill>
           <a:blip r:embed="rId2"/>
@@ -3476,14 +3474,12 @@
         </p:blipFill>
         <p:spPr>
           <a:xfrm>
-            <a:off x="1166191" y="887896"/>
-            <a:ext cx="9674087" cy="5736741"/>
+            <a:off x="2667000" y="821634"/>
+            <a:ext cx="6858000" cy="5709795"/>
           </a:xfrm>
-          <a:ln>
-            <a:solidFill>
-              <a:schemeClr val="tx1"/>
-            </a:solidFill>
-          </a:ln>
+          <a:prstGeom prst="rect">
+            <a:avLst/>
+          </a:prstGeom>
         </p:spPr>
       </p:pic>
     </p:spTree>
@@ -3553,10 +3549,10 @@
       </p:sp>
       <p:pic>
         <p:nvPicPr>
-          <p:cNvPr id="6" name="Picture 5" descr="A close up of a map&#10;&#10;Description automatically generated">
-            <a:extLst>
-              <a:ext uri="{FF2B5EF4-FFF2-40B4-BE49-F238E27FC236}">
-                <a16:creationId xmlns:a16="http://schemas.microsoft.com/office/drawing/2014/main" id="{842321B2-5C89-0C4D-B69E-B442C3A6F2D2}"/>
+          <p:cNvPr id="3" name="Picture 2" descr="A screenshot of a cell phone&#10;&#10;Description automatically generated">
+            <a:extLst>
+              <a:ext uri="{FF2B5EF4-FFF2-40B4-BE49-F238E27FC236}">
+                <a16:creationId xmlns:a16="http://schemas.microsoft.com/office/drawing/2014/main" id="{D7CA4087-C108-E146-BC2A-C4920CD5C356}"/>
               </a:ext>
             </a:extLst>
           </p:cNvPr>
@@ -3567,41 +3563,6 @@
         </p:nvPicPr>
         <p:blipFill>
           <a:blip r:embed="rId2"/>
-          <a:stretch>
-            <a:fillRect/>
-          </a:stretch>
-        </p:blipFill>
-        <p:spPr>
-          <a:xfrm>
-            <a:off x="332389" y="743196"/>
-            <a:ext cx="6742781" cy="6017939"/>
-          </a:xfrm>
-          <a:prstGeom prst="rect">
-            <a:avLst/>
-          </a:prstGeom>
-          <a:ln>
-            <a:solidFill>
-              <a:schemeClr val="tx1"/>
-            </a:solidFill>
-          </a:ln>
-        </p:spPr>
-      </p:pic>
-      <p:pic>
-        <p:nvPicPr>
-          <p:cNvPr id="3" name="Picture 2" descr="A screenshot of a cell phone&#10;&#10;Description automatically generated">
-            <a:extLst>
-              <a:ext uri="{FF2B5EF4-FFF2-40B4-BE49-F238E27FC236}">
-                <a16:creationId xmlns:a16="http://schemas.microsoft.com/office/drawing/2014/main" id="{D7CA4087-C108-E146-BC2A-C4920CD5C356}"/>
-              </a:ext>
-            </a:extLst>
-          </p:cNvPr>
-          <p:cNvPicPr>
-            <a:picLocks noChangeAspect="1"/>
-          </p:cNvPicPr>
-          <p:nvPr/>
-        </p:nvPicPr>
-        <p:blipFill>
-          <a:blip r:embed="rId3"/>
           <a:stretch>
             <a:fillRect/>
           </a:stretch>
@@ -3671,7 +3632,7 @@
           <p:nvPr/>
         </p:nvPicPr>
         <p:blipFill>
-          <a:blip r:embed="rId4"/>
+          <a:blip r:embed="rId3"/>
           <a:stretch>
             <a:fillRect/>
           </a:stretch>
@@ -3726,6 +3687,36 @@
           </a:p>
         </p:txBody>
       </p:sp>
+      <p:pic>
+        <p:nvPicPr>
+          <p:cNvPr id="9" name="Picture 8" descr="A close up of a map&#10;&#10;Description automatically generated">
+            <a:extLst>
+              <a:ext uri="{FF2B5EF4-FFF2-40B4-BE49-F238E27FC236}">
+                <a16:creationId xmlns:a16="http://schemas.microsoft.com/office/drawing/2014/main" id="{26859CE3-3618-424C-AA60-5A6AA1128D7B}"/>
+              </a:ext>
+            </a:extLst>
+          </p:cNvPr>
+          <p:cNvPicPr>
+            <a:picLocks noChangeAspect="1"/>
+          </p:cNvPicPr>
+          <p:nvPr/>
+        </p:nvPicPr>
+        <p:blipFill>
+          <a:blip r:embed="rId4"/>
+          <a:stretch>
+            <a:fillRect/>
+          </a:stretch>
+        </p:blipFill>
+        <p:spPr>
+          <a:xfrm>
+            <a:off x="116465" y="731521"/>
+            <a:ext cx="6958705" cy="6029614"/>
+          </a:xfrm>
+          <a:prstGeom prst="rect">
+            <a:avLst/>
+          </a:prstGeom>
+        </p:spPr>
+      </p:pic>
     </p:spTree>
     <p:extLst>
       <p:ext uri="{BB962C8B-B14F-4D97-AF65-F5344CB8AC3E}">
@@ -3793,10 +3784,10 @@
       </p:sp>
       <p:pic>
         <p:nvPicPr>
-          <p:cNvPr id="7" name="Picture 6" descr="A close up of a map&#10;&#10;Description automatically generated">
-            <a:extLst>
-              <a:ext uri="{FF2B5EF4-FFF2-40B4-BE49-F238E27FC236}">
-                <a16:creationId xmlns:a16="http://schemas.microsoft.com/office/drawing/2014/main" id="{6907780D-07B6-F54E-A3C4-C80B0183343A}"/>
+          <p:cNvPr id="4" name="Picture 3" descr="A close up of a map&#10;&#10;Description automatically generated">
+            <a:extLst>
+              <a:ext uri="{FF2B5EF4-FFF2-40B4-BE49-F238E27FC236}">
+                <a16:creationId xmlns:a16="http://schemas.microsoft.com/office/drawing/2014/main" id="{C49A6295-CA5A-954B-A068-80CF4430CF29}"/>
               </a:ext>
             </a:extLst>
           </p:cNvPr>
@@ -3813,18 +3804,12 @@
         </p:blipFill>
         <p:spPr>
           <a:xfrm>
-            <a:off x="902804" y="743196"/>
-            <a:ext cx="10386391" cy="6114804"/>
+            <a:off x="2616647" y="743196"/>
+            <a:ext cx="6958705" cy="5895110"/>
           </a:xfrm>
           <a:prstGeom prst="rect">
             <a:avLst/>
           </a:prstGeom>
-          <a:noFill/>
-          <a:ln>
-            <a:solidFill>
-              <a:schemeClr val="tx1"/>
-            </a:solidFill>
-          </a:ln>
         </p:spPr>
       </p:pic>
     </p:spTree>
@@ -3888,8 +3873,15 @@
             <a:pPr algn="ctr"/>
             <a:r>
               <a:rPr lang="en-US" dirty="0"/>
-              <a:t>Service Bus vs Event Grid</a:t>
-            </a:r>
+              <a:t>Why We Can’t Use Service Bus Topics </a:t>
+            </a:r>
+            <a:r>
+              <a:rPr lang="en-US" dirty="0">
+                <a:sym typeface="Wingdings" pitchFamily="2" charset="2"/>
+              </a:rPr>
+              <a:t></a:t>
+            </a:r>
+            <a:endParaRPr lang="en-US" dirty="0"/>
           </a:p>
         </p:txBody>
       </p:sp>
@@ -3912,35 +3904,35 @@
         <p:spPr>
           <a:xfrm>
             <a:off x="115613" y="630622"/>
-            <a:ext cx="11666483" cy="2995448"/>
+            <a:ext cx="11666483" cy="5998778"/>
           </a:xfrm>
         </p:spPr>
         <p:txBody>
           <a:bodyPr>
-            <a:normAutofit fontScale="92500"/>
+            <a:normAutofit fontScale="92500" lnSpcReduction="10000"/>
           </a:bodyPr>
           <a:lstStyle/>
           <a:p>
             <a:r>
-              <a:rPr lang="en-US" dirty="0"/>
+              <a:rPr lang="en-US" sz="2200" dirty="0"/>
               <a:t>When you create a subscription to a topic it has a specific subscription name. </a:t>
             </a:r>
           </a:p>
           <a:p>
             <a:r>
-              <a:rPr lang="en-US" dirty="0"/>
+              <a:rPr lang="en-US" sz="2200" dirty="0"/>
               <a:t>Any consumer that then starts requesting messages for that subscription name will compete for messages on that subscription. </a:t>
             </a:r>
           </a:p>
           <a:p>
             <a:r>
-              <a:rPr lang="en-US" dirty="0"/>
+              <a:rPr lang="en-US" sz="2200" dirty="0"/>
               <a:t>If you want independent applications to each receive a copy of the message sent to a topic they will each have to create their own subscription to the topic. </a:t>
             </a:r>
           </a:p>
           <a:p>
             <a:r>
-              <a:rPr lang="en-US" dirty="0"/>
+              <a:rPr lang="en-US" sz="2200" dirty="0"/>
               <a:t>You can almost view each subscription as a queue unto itself being fed by the topic.</a:t>
             </a:r>
           </a:p>
@@ -3949,42 +3941,139 @@
               <a:buNone/>
             </a:pPr>
             <a:r>
-              <a:rPr lang="en-US" sz="1400" dirty="0">
+              <a:rPr lang="en-US" sz="1500" dirty="0">
                 <a:hlinkClick r:id="rId2"/>
               </a:rPr>
               <a:t>https://stackoverflow.com/questions/21199333/azure-service-bus-subscribers-can-independently-subscribe-to-a-subscription-an</a:t>
             </a:r>
+            <a:endParaRPr lang="en-US" sz="1500" dirty="0"/>
+          </a:p>
+          <a:p>
+            <a:pPr marL="0" indent="0">
+              <a:buNone/>
+            </a:pPr>
+            <a:endParaRPr lang="en-US" sz="2200" dirty="0"/>
+          </a:p>
+          <a:p>
+            <a:pPr marL="0" indent="0">
+              <a:buNone/>
+            </a:pPr>
+            <a:endParaRPr lang="en-US" sz="2200" dirty="0"/>
+          </a:p>
+          <a:p>
+            <a:pPr marL="0" indent="0">
+              <a:buNone/>
+            </a:pPr>
+            <a:endParaRPr lang="en-US" sz="1400" dirty="0">
+              <a:hlinkClick r:id="rId2"/>
+            </a:endParaRPr>
+          </a:p>
+          <a:p>
+            <a:pPr marL="0" indent="0">
+              <a:buNone/>
+            </a:pPr>
+            <a:endParaRPr lang="en-US" sz="1400" dirty="0">
+              <a:hlinkClick r:id="rId2"/>
+            </a:endParaRPr>
+          </a:p>
+          <a:p>
+            <a:pPr marL="0" indent="0">
+              <a:buNone/>
+            </a:pPr>
+            <a:endParaRPr lang="en-US" sz="1400" dirty="0">
+              <a:hlinkClick r:id="rId2"/>
+            </a:endParaRPr>
+          </a:p>
+          <a:p>
+            <a:pPr marL="0" indent="0">
+              <a:buNone/>
+            </a:pPr>
+            <a:endParaRPr lang="en-US" sz="1400" dirty="0">
+              <a:hlinkClick r:id="rId2"/>
+            </a:endParaRPr>
+          </a:p>
+          <a:p>
+            <a:pPr marL="0" indent="0">
+              <a:buNone/>
+            </a:pPr>
+            <a:endParaRPr lang="en-US" sz="1400" dirty="0">
+              <a:hlinkClick r:id="rId2"/>
+            </a:endParaRPr>
+          </a:p>
+          <a:p>
+            <a:pPr marL="0" indent="0">
+              <a:buNone/>
+            </a:pPr>
+            <a:endParaRPr lang="en-US" sz="1400" dirty="0">
+              <a:hlinkClick r:id="rId2"/>
+            </a:endParaRPr>
+          </a:p>
+          <a:p>
+            <a:pPr marL="0" indent="0">
+              <a:buNone/>
+            </a:pPr>
+            <a:endParaRPr lang="en-US" sz="1400" dirty="0">
+              <a:hlinkClick r:id="rId2"/>
+            </a:endParaRPr>
+          </a:p>
+          <a:p>
+            <a:pPr marL="0" indent="0">
+              <a:buNone/>
+            </a:pPr>
+            <a:endParaRPr lang="en-US" sz="1400" dirty="0">
+              <a:hlinkClick r:id="rId2"/>
+            </a:endParaRPr>
+          </a:p>
+          <a:p>
+            <a:pPr marL="0" indent="0">
+              <a:buNone/>
+            </a:pPr>
+            <a:endParaRPr lang="en-US" sz="1400" dirty="0">
+              <a:hlinkClick r:id="rId2"/>
+            </a:endParaRPr>
+          </a:p>
+          <a:p>
+            <a:pPr marL="0" indent="0">
+              <a:buNone/>
+            </a:pPr>
+            <a:r>
+              <a:rPr lang="en-US" sz="1400" dirty="0">
+                <a:hlinkClick r:id="rId3"/>
+              </a:rPr>
+              <a:t>https://docs.microsoft.com/en-us/azure/service-bus-messaging/service-bus-java-how-to-use-jms-api-amqp#unsupported-features-and-restrictions</a:t>
+            </a:r>
             <a:endParaRPr lang="en-US" sz="1400" dirty="0"/>
           </a:p>
         </p:txBody>
       </p:sp>
       <p:pic>
         <p:nvPicPr>
-          <p:cNvPr id="6" name="Content Placeholder 5" descr="A screenshot of a cell phone&#10;&#10;Description automatically generated">
-            <a:extLst>
-              <a:ext uri="{FF2B5EF4-FFF2-40B4-BE49-F238E27FC236}">
-                <a16:creationId xmlns:a16="http://schemas.microsoft.com/office/drawing/2014/main" id="{A11EF67C-6C31-894A-ACFF-5BDA5C310EDC}"/>
+          <p:cNvPr id="8" name="Picture 7" descr="A screenshot of a cell phone&#10;&#10;Description automatically generated">
+            <a:extLst>
+              <a:ext uri="{FF2B5EF4-FFF2-40B4-BE49-F238E27FC236}">
+                <a16:creationId xmlns:a16="http://schemas.microsoft.com/office/drawing/2014/main" id="{3BC34D05-6F4A-6047-BEB5-414CF2BCAD92}"/>
               </a:ext>
             </a:extLst>
           </p:cNvPr>
           <p:cNvPicPr>
-            <a:picLocks noGrp="1" noChangeAspect="1"/>
+            <a:picLocks noChangeAspect="1"/>
           </p:cNvPicPr>
-          <p:nvPr>
-            <p:ph sz="half" idx="2"/>
-          </p:nvPr>
+          <p:nvPr/>
         </p:nvPicPr>
         <p:blipFill>
-          <a:blip r:embed="rId3"/>
+          <a:blip r:embed="rId4"/>
           <a:stretch>
             <a:fillRect/>
           </a:stretch>
         </p:blipFill>
         <p:spPr>
           <a:xfrm>
-            <a:off x="838200" y="3761006"/>
-            <a:ext cx="9637986" cy="2566741"/>
+            <a:off x="2232561" y="3004458"/>
+            <a:ext cx="6852063" cy="3080417"/>
           </a:xfrm>
+          <a:prstGeom prst="rect">
+            <a:avLst/>
+          </a:prstGeom>
           <a:ln>
             <a:solidFill>
               <a:schemeClr val="tx1"/>

--- a/spring-cloud-config-demo.pptx
+++ b/spring-cloud-config-demo.pptx
@@ -263,7 +263,7 @@
           <a:p>
             <a:fld id="{E6842770-A5B4-BA46-BD8F-4DC1C953792C}" type="datetimeFigureOut">
               <a:rPr lang="en-US" smtClean="0"/>
-              <a:t>4/29/20</a:t>
+              <a:t>5/5/20</a:t>
             </a:fld>
             <a:endParaRPr lang="en-US"/>
           </a:p>
@@ -461,7 +461,7 @@
           <a:p>
             <a:fld id="{E6842770-A5B4-BA46-BD8F-4DC1C953792C}" type="datetimeFigureOut">
               <a:rPr lang="en-US" smtClean="0"/>
-              <a:t>4/29/20</a:t>
+              <a:t>5/5/20</a:t>
             </a:fld>
             <a:endParaRPr lang="en-US"/>
           </a:p>
@@ -669,7 +669,7 @@
           <a:p>
             <a:fld id="{E6842770-A5B4-BA46-BD8F-4DC1C953792C}" type="datetimeFigureOut">
               <a:rPr lang="en-US" smtClean="0"/>
-              <a:t>4/29/20</a:t>
+              <a:t>5/5/20</a:t>
             </a:fld>
             <a:endParaRPr lang="en-US"/>
           </a:p>
@@ -867,7 +867,7 @@
           <a:p>
             <a:fld id="{E6842770-A5B4-BA46-BD8F-4DC1C953792C}" type="datetimeFigureOut">
               <a:rPr lang="en-US" smtClean="0"/>
-              <a:t>4/29/20</a:t>
+              <a:t>5/5/20</a:t>
             </a:fld>
             <a:endParaRPr lang="en-US"/>
           </a:p>
@@ -1142,7 +1142,7 @@
           <a:p>
             <a:fld id="{E6842770-A5B4-BA46-BD8F-4DC1C953792C}" type="datetimeFigureOut">
               <a:rPr lang="en-US" smtClean="0"/>
-              <a:t>4/29/20</a:t>
+              <a:t>5/5/20</a:t>
             </a:fld>
             <a:endParaRPr lang="en-US"/>
           </a:p>
@@ -1407,7 +1407,7 @@
           <a:p>
             <a:fld id="{E6842770-A5B4-BA46-BD8F-4DC1C953792C}" type="datetimeFigureOut">
               <a:rPr lang="en-US" smtClean="0"/>
-              <a:t>4/29/20</a:t>
+              <a:t>5/5/20</a:t>
             </a:fld>
             <a:endParaRPr lang="en-US"/>
           </a:p>
@@ -1819,7 +1819,7 @@
           <a:p>
             <a:fld id="{E6842770-A5B4-BA46-BD8F-4DC1C953792C}" type="datetimeFigureOut">
               <a:rPr lang="en-US" smtClean="0"/>
-              <a:t>4/29/20</a:t>
+              <a:t>5/5/20</a:t>
             </a:fld>
             <a:endParaRPr lang="en-US"/>
           </a:p>
@@ -1960,7 +1960,7 @@
           <a:p>
             <a:fld id="{E6842770-A5B4-BA46-BD8F-4DC1C953792C}" type="datetimeFigureOut">
               <a:rPr lang="en-US" smtClean="0"/>
-              <a:t>4/29/20</a:t>
+              <a:t>5/5/20</a:t>
             </a:fld>
             <a:endParaRPr lang="en-US"/>
           </a:p>
@@ -2073,7 +2073,7 @@
           <a:p>
             <a:fld id="{E6842770-A5B4-BA46-BD8F-4DC1C953792C}" type="datetimeFigureOut">
               <a:rPr lang="en-US" smtClean="0"/>
-              <a:t>4/29/20</a:t>
+              <a:t>5/5/20</a:t>
             </a:fld>
             <a:endParaRPr lang="en-US"/>
           </a:p>
@@ -2384,7 +2384,7 @@
           <a:p>
             <a:fld id="{E6842770-A5B4-BA46-BD8F-4DC1C953792C}" type="datetimeFigureOut">
               <a:rPr lang="en-US" smtClean="0"/>
-              <a:t>4/29/20</a:t>
+              <a:t>5/5/20</a:t>
             </a:fld>
             <a:endParaRPr lang="en-US"/>
           </a:p>
@@ -2672,7 +2672,7 @@
           <a:p>
             <a:fld id="{E6842770-A5B4-BA46-BD8F-4DC1C953792C}" type="datetimeFigureOut">
               <a:rPr lang="en-US" smtClean="0"/>
-              <a:t>4/29/20</a:t>
+              <a:t>5/5/20</a:t>
             </a:fld>
             <a:endParaRPr lang="en-US"/>
           </a:p>
@@ -2913,7 +2913,7 @@
           <a:p>
             <a:fld id="{E6842770-A5B4-BA46-BD8F-4DC1C953792C}" type="datetimeFigureOut">
               <a:rPr lang="en-US" smtClean="0"/>
-              <a:t>4/29/20</a:t>
+              <a:t>5/5/20</a:t>
             </a:fld>
             <a:endParaRPr lang="en-US"/>
           </a:p>
@@ -3689,10 +3689,10 @@
       </p:sp>
       <p:pic>
         <p:nvPicPr>
-          <p:cNvPr id="9" name="Picture 8" descr="A close up of a map&#10;&#10;Description automatically generated">
-            <a:extLst>
-              <a:ext uri="{FF2B5EF4-FFF2-40B4-BE49-F238E27FC236}">
-                <a16:creationId xmlns:a16="http://schemas.microsoft.com/office/drawing/2014/main" id="{26859CE3-3618-424C-AA60-5A6AA1128D7B}"/>
+          <p:cNvPr id="8" name="Picture 7" descr="A picture containing text, map&#10;&#10;Description automatically generated">
+            <a:extLst>
+              <a:ext uri="{FF2B5EF4-FFF2-40B4-BE49-F238E27FC236}">
+                <a16:creationId xmlns:a16="http://schemas.microsoft.com/office/drawing/2014/main" id="{773FE7E6-7FDF-7946-A8A1-FAC2E176DDC0}"/>
               </a:ext>
             </a:extLst>
           </p:cNvPr>
@@ -3709,12 +3709,17 @@
         </p:blipFill>
         <p:spPr>
           <a:xfrm>
-            <a:off x="116465" y="731521"/>
-            <a:ext cx="6958705" cy="6029614"/>
+            <a:off x="264621" y="743195"/>
+            <a:ext cx="6810549" cy="6031791"/>
           </a:xfrm>
           <a:prstGeom prst="rect">
             <a:avLst/>
           </a:prstGeom>
+          <a:ln>
+            <a:solidFill>
+              <a:schemeClr val="tx1"/>
+            </a:solidFill>
+          </a:ln>
         </p:spPr>
       </p:pic>
     </p:spTree>
